--- a/resources/coding/coding_necessities_3.pptx
+++ b/resources/coding/coding_necessities_3.pptx
@@ -5,7 +5,7 @@
     <p:sldMasterId id="2147483684" r:id="rId1"/>
   </p:sldMasterIdLst>
   <p:notesMasterIdLst>
-    <p:notesMasterId r:id="rId11"/>
+    <p:notesMasterId r:id="rId12"/>
   </p:notesMasterIdLst>
   <p:sldIdLst>
     <p:sldId id="256" r:id="rId2"/>
@@ -15,8 +15,9 @@
     <p:sldId id="260" r:id="rId6"/>
     <p:sldId id="261" r:id="rId7"/>
     <p:sldId id="262" r:id="rId8"/>
-    <p:sldId id="263" r:id="rId9"/>
-    <p:sldId id="264" r:id="rId10"/>
+    <p:sldId id="265" r:id="rId9"/>
+    <p:sldId id="263" r:id="rId10"/>
+    <p:sldId id="264" r:id="rId11"/>
   </p:sldIdLst>
   <p:sldSz cx="12192000" cy="6858000"/>
   <p:notesSz cx="6858000" cy="9144000"/>
@@ -115,6 +116,11 @@
       </a:defRPr>
     </a:lvl9pPr>
   </p:defaultTextStyle>
+  <p:extLst>
+    <p:ext uri="{EFAFB233-063F-42B5-8137-9DF3F51BA10A}">
+      <p15:sldGuideLst xmlns:p15="http://schemas.microsoft.com/office/powerpoint/2012/main"/>
+    </p:ext>
+  </p:extLst>
 </p:presentation>
 </file>
 
@@ -513,13 +519,106 @@
           <a:p>
             <a:r>
               <a:rPr lang="en-US" dirty="0"/>
-              <a:t>Easiest: moving and changing directories, </a:t>
-            </a:r>
-          </a:p>
-          <a:p>
-            <a:r>
-              <a:rPr lang="en-US" dirty="0"/>
-              <a:t>Difficult: Altering text using nano, exiting different programs, </a:t>
+              <a:t>MD/PhD: lack of shadowing opportunities, 50 -100 hours. MA, RN, but would like physician shadowing. Getting in touch with people that have MD/PhD.</a:t>
+            </a:r>
+          </a:p>
+          <a:p>
+            <a:r>
+              <a:rPr lang="en-US" dirty="0"/>
+              <a:t>Dr. Menon: </a:t>
+            </a:r>
+          </a:p>
+        </p:txBody>
+      </p:sp>
+      <p:sp>
+        <p:nvSpPr>
+          <p:cNvPr id="4" name="Slide Number Placeholder 3"/>
+          <p:cNvSpPr>
+            <a:spLocks noGrp="1"/>
+          </p:cNvSpPr>
+          <p:nvPr>
+            <p:ph type="sldNum" sz="quarter" idx="5"/>
+          </p:nvPr>
+        </p:nvSpPr>
+        <p:spPr/>
+        <p:txBody>
+          <a:bodyPr/>
+          <a:lstStyle/>
+          <a:p>
+            <a:fld id="{6EDFDEB1-F4B0-45B6-B489-2FCF5E9BCD5C}" type="slidenum">
+              <a:rPr lang="en-US" smtClean="0"/>
+              <a:t>4</a:t>
+            </a:fld>
+            <a:endParaRPr lang="en-US"/>
+          </a:p>
+        </p:txBody>
+      </p:sp>
+    </p:spTree>
+    <p:extLst>
+      <p:ext uri="{BB962C8B-B14F-4D97-AF65-F5344CB8AC3E}">
+        <p14:creationId xmlns:p14="http://schemas.microsoft.com/office/powerpoint/2010/main" val="2061462000"/>
+      </p:ext>
+    </p:extLst>
+  </p:cSld>
+  <p:clrMapOvr>
+    <a:masterClrMapping/>
+  </p:clrMapOvr>
+</p:notes>
+</file>
+
+<file path=ppt/notesSlides/notesSlide2.xml><?xml version="1.0" encoding="utf-8"?>
+<p:notes xmlns:a="http://schemas.openxmlformats.org/drawingml/2006/main" xmlns:r="http://schemas.openxmlformats.org/officeDocument/2006/relationships" xmlns:p="http://schemas.openxmlformats.org/presentationml/2006/main">
+  <p:cSld>
+    <p:spTree>
+      <p:nvGrpSpPr>
+        <p:cNvPr id="1" name=""/>
+        <p:cNvGrpSpPr/>
+        <p:nvPr/>
+      </p:nvGrpSpPr>
+      <p:grpSpPr>
+        <a:xfrm>
+          <a:off x="0" y="0"/>
+          <a:ext cx="0" cy="0"/>
+          <a:chOff x="0" y="0"/>
+          <a:chExt cx="0" cy="0"/>
+        </a:xfrm>
+      </p:grpSpPr>
+      <p:sp>
+        <p:nvSpPr>
+          <p:cNvPr id="2" name="Slide Image Placeholder 1"/>
+          <p:cNvSpPr>
+            <a:spLocks noGrp="1" noRot="1" noChangeAspect="1"/>
+          </p:cNvSpPr>
+          <p:nvPr>
+            <p:ph type="sldImg"/>
+          </p:nvPr>
+        </p:nvSpPr>
+        <p:spPr/>
+      </p:sp>
+      <p:sp>
+        <p:nvSpPr>
+          <p:cNvPr id="3" name="Notes Placeholder 2"/>
+          <p:cNvSpPr>
+            <a:spLocks noGrp="1"/>
+          </p:cNvSpPr>
+          <p:nvPr>
+            <p:ph type="body" idx="1"/>
+          </p:nvPr>
+        </p:nvSpPr>
+        <p:spPr/>
+        <p:txBody>
+          <a:bodyPr/>
+          <a:lstStyle/>
+          <a:p>
+            <a:r>
+              <a:rPr lang="en-US" dirty="0"/>
+              <a:t>Easiest: review from previous sections, grep, cut</a:t>
+            </a:r>
+          </a:p>
+          <a:p>
+            <a:r>
+              <a:rPr lang="en-US" dirty="0"/>
+              <a:t>Hardest: making new files with carrot, warm-up question with being more specific, nano</a:t>
             </a:r>
           </a:p>
         </p:txBody>
@@ -541,7 +640,7 @@
           <a:p>
             <a:fld id="{966FC651-3BCD-470A-A79B-EC05F86178B3}" type="slidenum">
               <a:rPr lang="en-US" smtClean="0"/>
-              <a:t>8</a:t>
+              <a:t>9</a:t>
             </a:fld>
             <a:endParaRPr lang="en-US"/>
           </a:p>
@@ -3547,6 +3646,133 @@
 </p:sld>
 </file>
 
+<file path=ppt/slides/slide10.xml><?xml version="1.0" encoding="utf-8"?>
+<p:sld xmlns:a="http://schemas.openxmlformats.org/drawingml/2006/main" xmlns:r="http://schemas.openxmlformats.org/officeDocument/2006/relationships" xmlns:p="http://schemas.openxmlformats.org/presentationml/2006/main">
+  <p:cSld>
+    <p:spTree>
+      <p:nvGrpSpPr>
+        <p:cNvPr id="1" name=""/>
+        <p:cNvGrpSpPr/>
+        <p:nvPr/>
+      </p:nvGrpSpPr>
+      <p:grpSpPr>
+        <a:xfrm>
+          <a:off x="0" y="0"/>
+          <a:ext cx="0" cy="0"/>
+          <a:chOff x="0" y="0"/>
+          <a:chExt cx="0" cy="0"/>
+        </a:xfrm>
+      </p:grpSpPr>
+      <p:sp>
+        <p:nvSpPr>
+          <p:cNvPr id="2" name="Title 1">
+            <a:extLst>
+              <a:ext uri="{FF2B5EF4-FFF2-40B4-BE49-F238E27FC236}">
+                <a16:creationId xmlns:a16="http://schemas.microsoft.com/office/drawing/2014/main" id="{F24F3179-89E3-4BF3-851F-A850E93347EB}"/>
+              </a:ext>
+            </a:extLst>
+          </p:cNvPr>
+          <p:cNvSpPr>
+            <a:spLocks noGrp="1"/>
+          </p:cNvSpPr>
+          <p:nvPr>
+            <p:ph type="title"/>
+          </p:nvPr>
+        </p:nvSpPr>
+        <p:spPr/>
+        <p:txBody>
+          <a:bodyPr/>
+          <a:lstStyle/>
+          <a:p>
+            <a:r>
+              <a:rPr lang="en-US" dirty="0"/>
+              <a:t>To do</a:t>
+            </a:r>
+          </a:p>
+        </p:txBody>
+      </p:sp>
+      <p:sp>
+        <p:nvSpPr>
+          <p:cNvPr id="3" name="Content Placeholder 2">
+            <a:extLst>
+              <a:ext uri="{FF2B5EF4-FFF2-40B4-BE49-F238E27FC236}">
+                <a16:creationId xmlns:a16="http://schemas.microsoft.com/office/drawing/2014/main" id="{F3926B9E-CC8B-4BED-A324-914B715DB094}"/>
+              </a:ext>
+            </a:extLst>
+          </p:cNvPr>
+          <p:cNvSpPr>
+            <a:spLocks noGrp="1"/>
+          </p:cNvSpPr>
+          <p:nvPr>
+            <p:ph idx="1"/>
+          </p:nvPr>
+        </p:nvSpPr>
+        <p:spPr/>
+        <p:txBody>
+          <a:bodyPr/>
+          <a:lstStyle/>
+          <a:p>
+            <a:pPr>
+              <a:lnSpc>
+                <a:spcPct val="200000"/>
+              </a:lnSpc>
+            </a:pPr>
+            <a:r>
+              <a:rPr lang="en-US" dirty="0"/>
+              <a:t>Coding exercises</a:t>
+            </a:r>
+          </a:p>
+          <a:p>
+            <a:pPr>
+              <a:lnSpc>
+                <a:spcPct val="200000"/>
+              </a:lnSpc>
+            </a:pPr>
+            <a:r>
+              <a:rPr lang="en-US" dirty="0"/>
+              <a:t>Midsummer reflection</a:t>
+            </a:r>
+          </a:p>
+          <a:p>
+            <a:pPr>
+              <a:lnSpc>
+                <a:spcPct val="200000"/>
+              </a:lnSpc>
+            </a:pPr>
+            <a:r>
+              <a:rPr lang="en-US" dirty="0"/>
+              <a:t>Finding a research lab or Research Planning Guide</a:t>
+            </a:r>
+          </a:p>
+          <a:p>
+            <a:pPr>
+              <a:lnSpc>
+                <a:spcPct val="200000"/>
+              </a:lnSpc>
+            </a:pPr>
+            <a:r>
+              <a:rPr lang="en-US" dirty="0"/>
+              <a:t>Think about end of summer presentation</a:t>
+            </a:r>
+          </a:p>
+          <a:p>
+            <a:endParaRPr lang="en-US" dirty="0"/>
+          </a:p>
+        </p:txBody>
+      </p:sp>
+    </p:spTree>
+    <p:extLst>
+      <p:ext uri="{BB962C8B-B14F-4D97-AF65-F5344CB8AC3E}">
+        <p14:creationId xmlns:p14="http://schemas.microsoft.com/office/powerpoint/2010/main" val="3893990011"/>
+      </p:ext>
+    </p:extLst>
+  </p:cSld>
+  <p:clrMapOvr>
+    <a:masterClrMapping/>
+  </p:clrMapOvr>
+</p:sld>
+</file>
+
 <file path=ppt/slides/slide2.xml><?xml version="1.0" encoding="utf-8"?>
 <p:sld xmlns:a="http://schemas.openxmlformats.org/drawingml/2006/main" xmlns:r="http://schemas.openxmlformats.org/officeDocument/2006/relationships" xmlns:p="http://schemas.openxmlformats.org/presentationml/2006/main">
   <p:cSld>
@@ -4118,7 +4344,7 @@
           <a:p>
             <a:r>
               <a:rPr lang="en-US" dirty="0"/>
-              <a:t>Finding a research lab or Research Planning Guide due August 6th</a:t>
+              <a:t>Finding a Research Lab or Research Planning Guide due August 6th</a:t>
             </a:r>
           </a:p>
           <a:p>
@@ -4230,7 +4456,7 @@
             </a:r>
             <a:r>
               <a:rPr lang="en-US" dirty="0" err="1"/>
-              <a:t>fastq</a:t>
+              <a:t>fq</a:t>
             </a:r>
             <a:r>
               <a:rPr lang="en-US" dirty="0"/>
@@ -4324,7 +4550,7 @@
             </a:pPr>
             <a:r>
               <a:rPr lang="en-US" dirty="0"/>
-              <a:t>Create copy of readme.txt and move to experiment folder</a:t>
+              <a:t>Create copy of readme.txt and move to experiment directory</a:t>
             </a:r>
           </a:p>
           <a:p>
@@ -4353,7 +4579,10 @@
               <a:rPr lang="en-US" dirty="0" err="1"/>
               <a:t>all_samples</a:t>
             </a:r>
-            <a:endParaRPr lang="en-US" dirty="0"/>
+            <a:r>
+              <a:rPr lang="en-US" dirty="0"/>
+              <a:t>/</a:t>
+            </a:r>
           </a:p>
           <a:p>
             <a:r>
@@ -4428,7 +4657,7 @@
           <p:cNvPr id="2" name="Title 1">
             <a:extLst>
               <a:ext uri="{FF2B5EF4-FFF2-40B4-BE49-F238E27FC236}">
-                <a16:creationId xmlns:a16="http://schemas.microsoft.com/office/drawing/2014/main" id="{16E00F25-D033-4227-8EC4-9636F1A4E05D}"/>
+                <a16:creationId xmlns:a16="http://schemas.microsoft.com/office/drawing/2014/main" id="{D06C47FD-01DD-45B6-BB71-631E6EABDB37}"/>
               </a:ext>
             </a:extLst>
           </p:cNvPr>
@@ -4446,7 +4675,7 @@
           <a:p>
             <a:r>
               <a:rPr lang="en-US" dirty="0"/>
-              <a:t>Reflection</a:t>
+              <a:t>Coding Warm-up</a:t>
             </a:r>
           </a:p>
         </p:txBody>
@@ -4456,7 +4685,7 @@
           <p:cNvPr id="3" name="Content Placeholder 2">
             <a:extLst>
               <a:ext uri="{FF2B5EF4-FFF2-40B4-BE49-F238E27FC236}">
-                <a16:creationId xmlns:a16="http://schemas.microsoft.com/office/drawing/2014/main" id="{0D701621-9BDE-44E0-9F2E-B3219A57FC22}"/>
+                <a16:creationId xmlns:a16="http://schemas.microsoft.com/office/drawing/2014/main" id="{C7879F14-3981-4A96-ABE9-73E3675A6E94}"/>
               </a:ext>
             </a:extLst>
           </p:cNvPr>
@@ -4469,26 +4698,198 @@
         </p:nvSpPr>
         <p:spPr/>
         <p:txBody>
-          <a:bodyPr/>
-          <a:lstStyle/>
-          <a:p>
-            <a:r>
-              <a:rPr lang="en-US" dirty="0"/>
-              <a:t>What was the easiest concept today? Why?</a:t>
-            </a:r>
-          </a:p>
-          <a:p>
-            <a:r>
-              <a:rPr lang="en-US" dirty="0"/>
-              <a:t>What was the most difficult? Why?</a:t>
-            </a:r>
+          <a:bodyPr>
+            <a:normAutofit fontScale="85000" lnSpcReduction="20000"/>
+          </a:bodyPr>
+          <a:lstStyle/>
+          <a:p>
+            <a:pPr marL="514350" indent="-514350">
+              <a:buFont typeface="+mj-lt"/>
+              <a:buAutoNum type="arabicPeriod"/>
+            </a:pPr>
+            <a:r>
+              <a:rPr lang="en-US" dirty="0"/>
+              <a:t>Get into binder</a:t>
+            </a:r>
+          </a:p>
+          <a:p>
+            <a:pPr marL="514350" indent="-514350">
+              <a:buFont typeface="+mj-lt"/>
+              <a:buAutoNum type="arabicPeriod"/>
+            </a:pPr>
+            <a:r>
+              <a:rPr lang="en-US" dirty="0"/>
+              <a:t>Navigate to folder with .</a:t>
+            </a:r>
+            <a:r>
+              <a:rPr lang="en-US" dirty="0" err="1"/>
+              <a:t>fq</a:t>
+            </a:r>
+            <a:r>
+              <a:rPr lang="en-US" dirty="0"/>
+              <a:t> files</a:t>
+            </a:r>
+          </a:p>
+          <a:p>
+            <a:pPr marL="514350" indent="-514350">
+              <a:buFont typeface="+mj-lt"/>
+              <a:buAutoNum type="arabicPeriod"/>
+            </a:pPr>
+            <a:r>
+              <a:rPr lang="en-US" dirty="0"/>
+              <a:t>Create a readme.txt file with an explanation of </a:t>
+            </a:r>
+            <a:r>
+              <a:rPr lang="en-US" dirty="0" err="1"/>
+              <a:t>fastq</a:t>
+            </a:r>
+            <a:r>
+              <a:rPr lang="en-US" dirty="0"/>
+              <a:t> format</a:t>
+            </a:r>
+          </a:p>
+          <a:p>
+            <a:pPr lvl="1"/>
+            <a:r>
+              <a:rPr lang="en-US" dirty="0"/>
+              <a:t>This directory contains .</a:t>
+            </a:r>
+            <a:r>
+              <a:rPr lang="en-US" dirty="0" err="1"/>
+              <a:t>fq</a:t>
+            </a:r>
+            <a:r>
+              <a:rPr lang="en-US" dirty="0"/>
+              <a:t>, .</a:t>
+            </a:r>
+            <a:r>
+              <a:rPr lang="en-US" dirty="0" err="1"/>
+              <a:t>tsv</a:t>
+            </a:r>
+            <a:r>
+              <a:rPr lang="en-US" dirty="0"/>
+              <a:t>, and .txt files for samples 1-300</a:t>
+            </a:r>
+          </a:p>
+          <a:p>
+            <a:pPr lvl="1"/>
+            <a:r>
+              <a:rPr lang="en-US" dirty="0" err="1"/>
+              <a:t>Fastq</a:t>
+            </a:r>
+            <a:r>
+              <a:rPr lang="en-US" dirty="0"/>
+              <a:t> format is:</a:t>
+            </a:r>
+          </a:p>
+          <a:p>
+            <a:pPr lvl="2"/>
+            <a:r>
+              <a:rPr lang="en-US" dirty="0"/>
+              <a:t>Line1: Identifier</a:t>
+            </a:r>
+          </a:p>
+          <a:p>
+            <a:pPr lvl="2"/>
+            <a:r>
+              <a:rPr lang="en-US" dirty="0"/>
+              <a:t>Line2: Sequence</a:t>
+            </a:r>
+          </a:p>
+          <a:p>
+            <a:pPr lvl="2"/>
+            <a:r>
+              <a:rPr lang="en-US" dirty="0"/>
+              <a:t>Line3: ‘+’ sign</a:t>
+            </a:r>
+          </a:p>
+          <a:p>
+            <a:pPr lvl="2"/>
+            <a:r>
+              <a:rPr lang="en-US" dirty="0"/>
+              <a:t>Line4: Quality scores</a:t>
+            </a:r>
+          </a:p>
+          <a:p>
+            <a:pPr marL="514350" indent="-514350">
+              <a:buFont typeface="+mj-lt"/>
+              <a:buAutoNum type="arabicPeriod"/>
+            </a:pPr>
+            <a:r>
+              <a:rPr lang="en-US" dirty="0"/>
+              <a:t>Create copy of readme.txt and move to experiment directory</a:t>
+            </a:r>
+          </a:p>
+          <a:p>
+            <a:pPr marL="0" indent="0">
+              <a:buNone/>
+            </a:pPr>
+            <a:r>
+              <a:rPr lang="en-US" dirty="0"/>
+              <a:t>Bonus: </a:t>
+            </a:r>
+          </a:p>
+          <a:p>
+            <a:r>
+              <a:rPr lang="en-US" dirty="0"/>
+              <a:t>make new </a:t>
+            </a:r>
+            <a:r>
+              <a:rPr lang="en-US" dirty="0" err="1"/>
+              <a:t>fastq_file</a:t>
+            </a:r>
+            <a:r>
+              <a:rPr lang="en-US" dirty="0"/>
+              <a:t> directory in </a:t>
+            </a:r>
+            <a:r>
+              <a:rPr lang="en-US" dirty="0" err="1"/>
+              <a:t>all_samples</a:t>
+            </a:r>
+            <a:endParaRPr lang="en-US" dirty="0"/>
+          </a:p>
+          <a:p>
+            <a:r>
+              <a:rPr lang="en-US" dirty="0"/>
+              <a:t>move all </a:t>
+            </a:r>
+            <a:r>
+              <a:rPr lang="en-US" dirty="0" err="1"/>
+              <a:t>fastq</a:t>
+            </a:r>
+            <a:r>
+              <a:rPr lang="en-US" dirty="0"/>
+              <a:t> files into the new </a:t>
+            </a:r>
+            <a:r>
+              <a:rPr lang="en-US" dirty="0" err="1"/>
+              <a:t>fastq_file</a:t>
+            </a:r>
+            <a:r>
+              <a:rPr lang="en-US" dirty="0"/>
+              <a:t> directory</a:t>
+            </a:r>
+          </a:p>
+          <a:p>
+            <a:pPr marL="514350" indent="-514350">
+              <a:buFont typeface="+mj-lt"/>
+              <a:buAutoNum type="arabicPeriod"/>
+            </a:pPr>
+            <a:endParaRPr lang="en-US" dirty="0"/>
+          </a:p>
+          <a:p>
+            <a:pPr marL="514350" indent="-514350">
+              <a:buFont typeface="+mj-lt"/>
+              <a:buAutoNum type="arabicPeriod"/>
+            </a:pPr>
+            <a:endParaRPr lang="en-US" dirty="0"/>
           </a:p>
         </p:txBody>
       </p:sp>
     </p:spTree>
     <p:extLst>
       <p:ext uri="{BB962C8B-B14F-4D97-AF65-F5344CB8AC3E}">
-        <p14:creationId xmlns:p14="http://schemas.microsoft.com/office/powerpoint/2010/main" val="2355160211"/>
+        <p14:creationId xmlns:p14="http://schemas.microsoft.com/office/powerpoint/2010/main" val="943256647"/>
       </p:ext>
     </p:extLst>
   </p:cSld>
@@ -4520,7 +4921,7 @@
           <p:cNvPr id="2" name="Title 1">
             <a:extLst>
               <a:ext uri="{FF2B5EF4-FFF2-40B4-BE49-F238E27FC236}">
-                <a16:creationId xmlns:a16="http://schemas.microsoft.com/office/drawing/2014/main" id="{F24F3179-89E3-4BF3-851F-A850E93347EB}"/>
+                <a16:creationId xmlns:a16="http://schemas.microsoft.com/office/drawing/2014/main" id="{16E00F25-D033-4227-8EC4-9636F1A4E05D}"/>
               </a:ext>
             </a:extLst>
           </p:cNvPr>
@@ -4538,7 +4939,7 @@
           <a:p>
             <a:r>
               <a:rPr lang="en-US" dirty="0"/>
-              <a:t>To do</a:t>
+              <a:t>Reflection</a:t>
             </a:r>
           </a:p>
         </p:txBody>
@@ -4548,7 +4949,7 @@
           <p:cNvPr id="3" name="Content Placeholder 2">
             <a:extLst>
               <a:ext uri="{FF2B5EF4-FFF2-40B4-BE49-F238E27FC236}">
-                <a16:creationId xmlns:a16="http://schemas.microsoft.com/office/drawing/2014/main" id="{F3926B9E-CC8B-4BED-A324-914B715DB094}"/>
+                <a16:creationId xmlns:a16="http://schemas.microsoft.com/office/drawing/2014/main" id="{0D701621-9BDE-44E0-9F2E-B3219A57FC22}"/>
               </a:ext>
             </a:extLst>
           </p:cNvPr>
@@ -4564,58 +4965,23 @@
           <a:bodyPr/>
           <a:lstStyle/>
           <a:p>
-            <a:pPr>
-              <a:lnSpc>
-                <a:spcPct val="200000"/>
-              </a:lnSpc>
-            </a:pPr>
-            <a:r>
-              <a:rPr lang="en-US" dirty="0"/>
-              <a:t>Coding exercises</a:t>
-            </a:r>
-          </a:p>
-          <a:p>
-            <a:pPr>
-              <a:lnSpc>
-                <a:spcPct val="200000"/>
-              </a:lnSpc>
-            </a:pPr>
-            <a:r>
-              <a:rPr lang="en-US" dirty="0"/>
-              <a:t>Midsummer reflection</a:t>
-            </a:r>
-          </a:p>
-          <a:p>
-            <a:pPr>
-              <a:lnSpc>
-                <a:spcPct val="200000"/>
-              </a:lnSpc>
-            </a:pPr>
-            <a:r>
-              <a:rPr lang="en-US" dirty="0"/>
-              <a:t>Finding a research lab or Research Planning Guide</a:t>
-            </a:r>
-          </a:p>
-          <a:p>
-            <a:pPr>
-              <a:lnSpc>
-                <a:spcPct val="200000"/>
-              </a:lnSpc>
-            </a:pPr>
-            <a:r>
-              <a:rPr lang="en-US" dirty="0"/>
-              <a:t>Think about end of summer presentation</a:t>
-            </a:r>
-          </a:p>
-          <a:p>
-            <a:endParaRPr lang="en-US" dirty="0"/>
+            <a:r>
+              <a:rPr lang="en-US" dirty="0"/>
+              <a:t>What was the easiest concept today? Why?</a:t>
+            </a:r>
+          </a:p>
+          <a:p>
+            <a:r>
+              <a:rPr lang="en-US" dirty="0"/>
+              <a:t>What was the most difficult? Why?</a:t>
+            </a:r>
           </a:p>
         </p:txBody>
       </p:sp>
     </p:spTree>
     <p:extLst>
       <p:ext uri="{BB962C8B-B14F-4D97-AF65-F5344CB8AC3E}">
-        <p14:creationId xmlns:p14="http://schemas.microsoft.com/office/powerpoint/2010/main" val="3893990011"/>
+        <p14:creationId xmlns:p14="http://schemas.microsoft.com/office/powerpoint/2010/main" val="2355160211"/>
       </p:ext>
     </p:extLst>
   </p:cSld>
